--- a/Imagens/logtipo_projeto2/logtipo_projeto.pptx
+++ b/Imagens/logtipo_projeto2/logtipo_projeto.pptx
@@ -123,23 +123,31 @@
 </p:presentation>
 </file>
 
+<file path=ppt/revisionInfo.xml><?xml version="1.0" encoding="utf-8"?>
+<p1510:revInfo xmlns:a="http://schemas.openxmlformats.org/drawingml/2006/main" xmlns:r="http://schemas.openxmlformats.org/officeDocument/2006/relationships" xmlns:p1510="http://schemas.microsoft.com/office/powerpoint/2015/10/main">
+  <p1510:revLst>
+    <p1510:client id="{C12C4510-C019-44E7-955F-74F56E566D8B}" v="4" dt="2024-11-13T03:30:37.677"/>
+  </p1510:revLst>
+</p1510:revInfo>
+</file>
+
 <file path=ppt/changesInfos/changesInfo1.xml><?xml version="1.0" encoding="utf-8"?>
 <pc:chgInfo xmlns:a="http://schemas.openxmlformats.org/drawingml/2006/main" xmlns:r="http://schemas.openxmlformats.org/officeDocument/2006/relationships" xmlns:ac="http://schemas.microsoft.com/office/drawing/2013/main/command" xmlns:pc="http://schemas.microsoft.com/office/powerpoint/2013/main/command">
   <pc:docChgLst>
     <pc:chgData name="Camily Nunes dos Santos" userId="38e3eff8-eb28-4048-b1e7-07aca15ca3bc" providerId="ADAL" clId="{C12C4510-C019-44E7-955F-74F56E566D8B}"/>
     <pc:docChg chg="modSld">
-      <pc:chgData name="Camily Nunes dos Santos" userId="38e3eff8-eb28-4048-b1e7-07aca15ca3bc" providerId="ADAL" clId="{C12C4510-C019-44E7-955F-74F56E566D8B}" dt="2024-11-04T17:34:24.329" v="14" actId="465"/>
+      <pc:chgData name="Camily Nunes dos Santos" userId="38e3eff8-eb28-4048-b1e7-07aca15ca3bc" providerId="ADAL" clId="{C12C4510-C019-44E7-955F-74F56E566D8B}" dt="2024-11-13T03:31:25.109" v="28" actId="12788"/>
       <pc:docMkLst>
         <pc:docMk/>
       </pc:docMkLst>
       <pc:sldChg chg="modSp mod">
-        <pc:chgData name="Camily Nunes dos Santos" userId="38e3eff8-eb28-4048-b1e7-07aca15ca3bc" providerId="ADAL" clId="{C12C4510-C019-44E7-955F-74F56E566D8B}" dt="2024-11-04T17:34:24.329" v="14" actId="465"/>
+        <pc:chgData name="Camily Nunes dos Santos" userId="38e3eff8-eb28-4048-b1e7-07aca15ca3bc" providerId="ADAL" clId="{C12C4510-C019-44E7-955F-74F56E566D8B}" dt="2024-11-13T03:31:25.109" v="28" actId="12788"/>
         <pc:sldMkLst>
           <pc:docMk/>
           <pc:sldMk cId="1045249823" sldId="257"/>
         </pc:sldMkLst>
-        <pc:picChg chg="mod">
-          <ac:chgData name="Camily Nunes dos Santos" userId="38e3eff8-eb28-4048-b1e7-07aca15ca3bc" providerId="ADAL" clId="{C12C4510-C019-44E7-955F-74F56E566D8B}" dt="2024-11-04T17:34:24.329" v="14" actId="465"/>
+        <pc:picChg chg="mod modCrop">
+          <ac:chgData name="Camily Nunes dos Santos" userId="38e3eff8-eb28-4048-b1e7-07aca15ca3bc" providerId="ADAL" clId="{C12C4510-C019-44E7-955F-74F56E566D8B}" dt="2024-11-13T03:31:25.109" v="28" actId="12788"/>
           <ac:picMkLst>
             <pc:docMk/>
             <pc:sldMk cId="1045249823" sldId="257"/>
@@ -299,7 +307,7 @@
           <a:p>
             <a:fld id="{93DE7B64-81AA-4A75-A709-1AB4E81ABC60}" type="datetimeFigureOut">
               <a:rPr lang="pt-BR" smtClean="0"/>
-              <a:t>04/11/2024</a:t>
+              <a:t>12/11/2024</a:t>
             </a:fld>
             <a:endParaRPr lang="pt-BR"/>
           </a:p>
@@ -497,7 +505,7 @@
           <a:p>
             <a:fld id="{93DE7B64-81AA-4A75-A709-1AB4E81ABC60}" type="datetimeFigureOut">
               <a:rPr lang="pt-BR" smtClean="0"/>
-              <a:t>04/11/2024</a:t>
+              <a:t>12/11/2024</a:t>
             </a:fld>
             <a:endParaRPr lang="pt-BR"/>
           </a:p>
@@ -705,7 +713,7 @@
           <a:p>
             <a:fld id="{93DE7B64-81AA-4A75-A709-1AB4E81ABC60}" type="datetimeFigureOut">
               <a:rPr lang="pt-BR" smtClean="0"/>
-              <a:t>04/11/2024</a:t>
+              <a:t>12/11/2024</a:t>
             </a:fld>
             <a:endParaRPr lang="pt-BR"/>
           </a:p>
@@ -903,7 +911,7 @@
           <a:p>
             <a:fld id="{93DE7B64-81AA-4A75-A709-1AB4E81ABC60}" type="datetimeFigureOut">
               <a:rPr lang="pt-BR" smtClean="0"/>
-              <a:t>04/11/2024</a:t>
+              <a:t>12/11/2024</a:t>
             </a:fld>
             <a:endParaRPr lang="pt-BR"/>
           </a:p>
@@ -1178,7 +1186,7 @@
           <a:p>
             <a:fld id="{93DE7B64-81AA-4A75-A709-1AB4E81ABC60}" type="datetimeFigureOut">
               <a:rPr lang="pt-BR" smtClean="0"/>
-              <a:t>04/11/2024</a:t>
+              <a:t>12/11/2024</a:t>
             </a:fld>
             <a:endParaRPr lang="pt-BR"/>
           </a:p>
@@ -1443,7 +1451,7 @@
           <a:p>
             <a:fld id="{93DE7B64-81AA-4A75-A709-1AB4E81ABC60}" type="datetimeFigureOut">
               <a:rPr lang="pt-BR" smtClean="0"/>
-              <a:t>04/11/2024</a:t>
+              <a:t>12/11/2024</a:t>
             </a:fld>
             <a:endParaRPr lang="pt-BR"/>
           </a:p>
@@ -1855,7 +1863,7 @@
           <a:p>
             <a:fld id="{93DE7B64-81AA-4A75-A709-1AB4E81ABC60}" type="datetimeFigureOut">
               <a:rPr lang="pt-BR" smtClean="0"/>
-              <a:t>04/11/2024</a:t>
+              <a:t>12/11/2024</a:t>
             </a:fld>
             <a:endParaRPr lang="pt-BR"/>
           </a:p>
@@ -1996,7 +2004,7 @@
           <a:p>
             <a:fld id="{93DE7B64-81AA-4A75-A709-1AB4E81ABC60}" type="datetimeFigureOut">
               <a:rPr lang="pt-BR" smtClean="0"/>
-              <a:t>04/11/2024</a:t>
+              <a:t>12/11/2024</a:t>
             </a:fld>
             <a:endParaRPr lang="pt-BR"/>
           </a:p>
@@ -2109,7 +2117,7 @@
           <a:p>
             <a:fld id="{93DE7B64-81AA-4A75-A709-1AB4E81ABC60}" type="datetimeFigureOut">
               <a:rPr lang="pt-BR" smtClean="0"/>
-              <a:t>04/11/2024</a:t>
+              <a:t>12/11/2024</a:t>
             </a:fld>
             <a:endParaRPr lang="pt-BR"/>
           </a:p>
@@ -2420,7 +2428,7 @@
           <a:p>
             <a:fld id="{93DE7B64-81AA-4A75-A709-1AB4E81ABC60}" type="datetimeFigureOut">
               <a:rPr lang="pt-BR" smtClean="0"/>
-              <a:t>04/11/2024</a:t>
+              <a:t>12/11/2024</a:t>
             </a:fld>
             <a:endParaRPr lang="pt-BR"/>
           </a:p>
@@ -2708,7 +2716,7 @@
           <a:p>
             <a:fld id="{93DE7B64-81AA-4A75-A709-1AB4E81ABC60}" type="datetimeFigureOut">
               <a:rPr lang="pt-BR" smtClean="0"/>
-              <a:t>04/11/2024</a:t>
+              <a:t>12/11/2024</a:t>
             </a:fld>
             <a:endParaRPr lang="pt-BR"/>
           </a:p>
@@ -2949,7 +2957,7 @@
           <a:p>
             <a:fld id="{93DE7B64-81AA-4A75-A709-1AB4E81ABC60}" type="datetimeFigureOut">
               <a:rPr lang="pt-BR" smtClean="0"/>
-              <a:t>04/11/2024</a:t>
+              <a:t>12/11/2024</a:t>
             </a:fld>
             <a:endParaRPr lang="pt-BR"/>
           </a:p>
@@ -3396,14 +3404,13 @@
               </a:ext>
             </a:extLst>
           </a:blip>
-          <a:stretch>
-            <a:fillRect/>
-          </a:stretch>
+          <a:srcRect r="88" b="63618"/>
+          <a:stretch/>
         </p:blipFill>
         <p:spPr>
           <a:xfrm>
-            <a:off x="3429364" y="1172206"/>
-            <a:ext cx="5333272" cy="4513588"/>
+            <a:off x="390373" y="1670683"/>
+            <a:ext cx="11411255" cy="3516634"/>
           </a:xfrm>
           <a:prstGeom prst="rect">
             <a:avLst/>

--- a/Imagens/logtipo_projeto2/logtipo_projeto.pptx
+++ b/Imagens/logtipo_projeto2/logtipo_projeto.pptx
@@ -126,7 +126,7 @@
 <file path=ppt/revisionInfo.xml><?xml version="1.0" encoding="utf-8"?>
 <p1510:revInfo xmlns:a="http://schemas.openxmlformats.org/drawingml/2006/main" xmlns:r="http://schemas.openxmlformats.org/officeDocument/2006/relationships" xmlns:p1510="http://schemas.microsoft.com/office/powerpoint/2015/10/main">
   <p1510:revLst>
-    <p1510:client id="{C12C4510-C019-44E7-955F-74F56E566D8B}" v="4" dt="2024-11-13T03:30:37.677"/>
+    <p1510:client id="{C12C4510-C019-44E7-955F-74F56E566D8B}" v="5" dt="2024-11-18T23:50:58.677"/>
   </p1510:revLst>
 </p1510:revInfo>
 </file>
@@ -136,16 +136,24 @@
   <pc:docChgLst>
     <pc:chgData name="Camily Nunes dos Santos" userId="38e3eff8-eb28-4048-b1e7-07aca15ca3bc" providerId="ADAL" clId="{C12C4510-C019-44E7-955F-74F56E566D8B}"/>
     <pc:docChg chg="modSld">
-      <pc:chgData name="Camily Nunes dos Santos" userId="38e3eff8-eb28-4048-b1e7-07aca15ca3bc" providerId="ADAL" clId="{C12C4510-C019-44E7-955F-74F56E566D8B}" dt="2024-11-13T03:31:25.109" v="28" actId="12788"/>
+      <pc:chgData name="Camily Nunes dos Santos" userId="38e3eff8-eb28-4048-b1e7-07aca15ca3bc" providerId="ADAL" clId="{C12C4510-C019-44E7-955F-74F56E566D8B}" dt="2024-11-18T23:51:04.900" v="30" actId="207"/>
       <pc:docMkLst>
         <pc:docMk/>
       </pc:docMkLst>
-      <pc:sldChg chg="modSp mod">
-        <pc:chgData name="Camily Nunes dos Santos" userId="38e3eff8-eb28-4048-b1e7-07aca15ca3bc" providerId="ADAL" clId="{C12C4510-C019-44E7-955F-74F56E566D8B}" dt="2024-11-13T03:31:25.109" v="28" actId="12788"/>
+      <pc:sldChg chg="addSp modSp mod">
+        <pc:chgData name="Camily Nunes dos Santos" userId="38e3eff8-eb28-4048-b1e7-07aca15ca3bc" providerId="ADAL" clId="{C12C4510-C019-44E7-955F-74F56E566D8B}" dt="2024-11-18T23:51:04.900" v="30" actId="207"/>
         <pc:sldMkLst>
           <pc:docMk/>
           <pc:sldMk cId="1045249823" sldId="257"/>
         </pc:sldMkLst>
+        <pc:spChg chg="add mod">
+          <ac:chgData name="Camily Nunes dos Santos" userId="38e3eff8-eb28-4048-b1e7-07aca15ca3bc" providerId="ADAL" clId="{C12C4510-C019-44E7-955F-74F56E566D8B}" dt="2024-11-18T23:51:04.900" v="30" actId="207"/>
+          <ac:spMkLst>
+            <pc:docMk/>
+            <pc:sldMk cId="1045249823" sldId="257"/>
+            <ac:spMk id="2" creationId="{A3674C0B-F2E4-24D0-4288-8E64444C9C04}"/>
+          </ac:spMkLst>
+        </pc:spChg>
         <pc:picChg chg="mod modCrop">
           <ac:chgData name="Camily Nunes dos Santos" userId="38e3eff8-eb28-4048-b1e7-07aca15ca3bc" providerId="ADAL" clId="{C12C4510-C019-44E7-955F-74F56E566D8B}" dt="2024-11-13T03:31:25.109" v="28" actId="12788"/>
           <ac:picMkLst>
@@ -307,7 +315,7 @@
           <a:p>
             <a:fld id="{93DE7B64-81AA-4A75-A709-1AB4E81ABC60}" type="datetimeFigureOut">
               <a:rPr lang="pt-BR" smtClean="0"/>
-              <a:t>12/11/2024</a:t>
+              <a:t>18/11/2024</a:t>
             </a:fld>
             <a:endParaRPr lang="pt-BR"/>
           </a:p>
@@ -505,7 +513,7 @@
           <a:p>
             <a:fld id="{93DE7B64-81AA-4A75-A709-1AB4E81ABC60}" type="datetimeFigureOut">
               <a:rPr lang="pt-BR" smtClean="0"/>
-              <a:t>12/11/2024</a:t>
+              <a:t>18/11/2024</a:t>
             </a:fld>
             <a:endParaRPr lang="pt-BR"/>
           </a:p>
@@ -713,7 +721,7 @@
           <a:p>
             <a:fld id="{93DE7B64-81AA-4A75-A709-1AB4E81ABC60}" type="datetimeFigureOut">
               <a:rPr lang="pt-BR" smtClean="0"/>
-              <a:t>12/11/2024</a:t>
+              <a:t>18/11/2024</a:t>
             </a:fld>
             <a:endParaRPr lang="pt-BR"/>
           </a:p>
@@ -911,7 +919,7 @@
           <a:p>
             <a:fld id="{93DE7B64-81AA-4A75-A709-1AB4E81ABC60}" type="datetimeFigureOut">
               <a:rPr lang="pt-BR" smtClean="0"/>
-              <a:t>12/11/2024</a:t>
+              <a:t>18/11/2024</a:t>
             </a:fld>
             <a:endParaRPr lang="pt-BR"/>
           </a:p>
@@ -1186,7 +1194,7 @@
           <a:p>
             <a:fld id="{93DE7B64-81AA-4A75-A709-1AB4E81ABC60}" type="datetimeFigureOut">
               <a:rPr lang="pt-BR" smtClean="0"/>
-              <a:t>12/11/2024</a:t>
+              <a:t>18/11/2024</a:t>
             </a:fld>
             <a:endParaRPr lang="pt-BR"/>
           </a:p>
@@ -1451,7 +1459,7 @@
           <a:p>
             <a:fld id="{93DE7B64-81AA-4A75-A709-1AB4E81ABC60}" type="datetimeFigureOut">
               <a:rPr lang="pt-BR" smtClean="0"/>
-              <a:t>12/11/2024</a:t>
+              <a:t>18/11/2024</a:t>
             </a:fld>
             <a:endParaRPr lang="pt-BR"/>
           </a:p>
@@ -1863,7 +1871,7 @@
           <a:p>
             <a:fld id="{93DE7B64-81AA-4A75-A709-1AB4E81ABC60}" type="datetimeFigureOut">
               <a:rPr lang="pt-BR" smtClean="0"/>
-              <a:t>12/11/2024</a:t>
+              <a:t>18/11/2024</a:t>
             </a:fld>
             <a:endParaRPr lang="pt-BR"/>
           </a:p>
@@ -2004,7 +2012,7 @@
           <a:p>
             <a:fld id="{93DE7B64-81AA-4A75-A709-1AB4E81ABC60}" type="datetimeFigureOut">
               <a:rPr lang="pt-BR" smtClean="0"/>
-              <a:t>12/11/2024</a:t>
+              <a:t>18/11/2024</a:t>
             </a:fld>
             <a:endParaRPr lang="pt-BR"/>
           </a:p>
@@ -2117,7 +2125,7 @@
           <a:p>
             <a:fld id="{93DE7B64-81AA-4A75-A709-1AB4E81ABC60}" type="datetimeFigureOut">
               <a:rPr lang="pt-BR" smtClean="0"/>
-              <a:t>12/11/2024</a:t>
+              <a:t>18/11/2024</a:t>
             </a:fld>
             <a:endParaRPr lang="pt-BR"/>
           </a:p>
@@ -2428,7 +2436,7 @@
           <a:p>
             <a:fld id="{93DE7B64-81AA-4A75-A709-1AB4E81ABC60}" type="datetimeFigureOut">
               <a:rPr lang="pt-BR" smtClean="0"/>
-              <a:t>12/11/2024</a:t>
+              <a:t>18/11/2024</a:t>
             </a:fld>
             <a:endParaRPr lang="pt-BR"/>
           </a:p>
@@ -2716,7 +2724,7 @@
           <a:p>
             <a:fld id="{93DE7B64-81AA-4A75-A709-1AB4E81ABC60}" type="datetimeFigureOut">
               <a:rPr lang="pt-BR" smtClean="0"/>
-              <a:t>12/11/2024</a:t>
+              <a:t>18/11/2024</a:t>
             </a:fld>
             <a:endParaRPr lang="pt-BR"/>
           </a:p>
@@ -2957,7 +2965,7 @@
           <a:p>
             <a:fld id="{93DE7B64-81AA-4A75-A709-1AB4E81ABC60}" type="datetimeFigureOut">
               <a:rPr lang="pt-BR" smtClean="0"/>
-              <a:t>12/11/2024</a:t>
+              <a:t>18/11/2024</a:t>
             </a:fld>
             <a:endParaRPr lang="pt-BR"/>
           </a:p>
@@ -3417,6 +3425,42 @@
           </a:prstGeom>
         </p:spPr>
       </p:pic>
+      <p:sp>
+        <p:nvSpPr>
+          <p:cNvPr id="2" name="CaixaDeTexto 1">
+            <a:extLst>
+              <a:ext uri="{FF2B5EF4-FFF2-40B4-BE49-F238E27FC236}">
+                <a16:creationId xmlns:a16="http://schemas.microsoft.com/office/drawing/2014/main" id="{A3674C0B-F2E4-24D0-4288-8E64444C9C04}"/>
+              </a:ext>
+            </a:extLst>
+          </p:cNvPr>
+          <p:cNvSpPr txBox="1"/>
+          <p:nvPr/>
+        </p:nvSpPr>
+        <p:spPr>
+          <a:xfrm>
+            <a:off x="619760" y="558800"/>
+            <a:ext cx="3556000" cy="369332"/>
+          </a:xfrm>
+          <a:prstGeom prst="rect">
+            <a:avLst/>
+          </a:prstGeom>
+          <a:noFill/>
+        </p:spPr>
+        <p:txBody>
+          <a:bodyPr wrap="square" rtlCol="0">
+            <a:spAutoFit/>
+          </a:bodyPr>
+          <a:lstStyle/>
+          <a:p>
+            <a:endParaRPr lang="pt-BR">
+              <a:solidFill>
+                <a:srgbClr val="FFF500"/>
+              </a:solidFill>
+            </a:endParaRPr>
+          </a:p>
+        </p:txBody>
+      </p:sp>
     </p:spTree>
     <p:extLst>
       <p:ext uri="{BB962C8B-B14F-4D97-AF65-F5344CB8AC3E}">
